--- a/工作日報_葉柏漢/2021.09/2021.09.01(加班)~2021.09.02工作日報_葉柏漢.pptx
+++ b/工作日報_葉柏漢/2021.09/2021.09.01(加班)~2021.09.02工作日報_葉柏漢.pptx
@@ -6,14 +6,18 @@
     <p:sldMasterId id="2147483660" r:id="rId2"/>
   </p:sldMasterIdLst>
   <p:notesMasterIdLst>
-    <p:notesMasterId r:id="rId8"/>
+    <p:notesMasterId r:id="rId12"/>
   </p:notesMasterIdLst>
   <p:sldIdLst>
     <p:sldId id="256" r:id="rId3"/>
     <p:sldId id="260" r:id="rId4"/>
     <p:sldId id="285" r:id="rId5"/>
-    <p:sldId id="284" r:id="rId6"/>
-    <p:sldId id="280" r:id="rId7"/>
+    <p:sldId id="286" r:id="rId6"/>
+    <p:sldId id="287" r:id="rId7"/>
+    <p:sldId id="288" r:id="rId8"/>
+    <p:sldId id="289" r:id="rId9"/>
+    <p:sldId id="284" r:id="rId10"/>
+    <p:sldId id="280" r:id="rId11"/>
   </p:sldIdLst>
   <p:sldSz cx="12192000" cy="6858000"/>
   <p:notesSz cx="6858000" cy="9144000"/>
@@ -213,7 +217,7 @@
           <a:p>
             <a:fld id="{5F45278C-940B-4C39-9CBC-669F45D4F0E2}" type="datetimeFigureOut">
               <a:rPr lang="zh-CN" altLang="en-US" smtClean="0"/>
-              <a:t>2021/9/1</a:t>
+              <a:t>2021/9/2</a:t>
             </a:fld>
             <a:endParaRPr lang="zh-CN" altLang="en-US"/>
           </a:p>
@@ -610,7 +614,7 @@
           <a:p>
             <a:fld id="{D997B5FA-0921-464F-AAE1-844C04324D75}" type="datetimeFigureOut">
               <a:rPr lang="zh-CN" altLang="en-US" smtClean="0"/>
-              <a:t>2021/9/1</a:t>
+              <a:t>2021/9/2</a:t>
             </a:fld>
             <a:endParaRPr lang="zh-CN" altLang="en-US"/>
           </a:p>
@@ -790,7 +794,7 @@
           <a:p>
             <a:fld id="{D997B5FA-0921-464F-AAE1-844C04324D75}" type="datetimeFigureOut">
               <a:rPr lang="zh-CN" altLang="en-US" smtClean="0"/>
-              <a:t>2021/9/1</a:t>
+              <a:t>2021/9/2</a:t>
             </a:fld>
             <a:endParaRPr lang="zh-CN" altLang="en-US"/>
           </a:p>
@@ -980,7 +984,7 @@
           <a:p>
             <a:fld id="{D997B5FA-0921-464F-AAE1-844C04324D75}" type="datetimeFigureOut">
               <a:rPr lang="zh-CN" altLang="en-US" smtClean="0"/>
-              <a:t>2021/9/1</a:t>
+              <a:t>2021/9/2</a:t>
             </a:fld>
             <a:endParaRPr lang="zh-CN" altLang="en-US"/>
           </a:p>
@@ -1191,7 +1195,7 @@
                 </a:solidFill>
               </a:rPr>
               <a:pPr/>
-              <a:t>2021/9/1</a:t>
+              <a:t>2021/9/2</a:t>
             </a:fld>
             <a:endParaRPr lang="zh-CN" altLang="en-US">
               <a:solidFill>
@@ -1423,7 +1427,7 @@
                 </a:solidFill>
               </a:rPr>
               <a:pPr/>
-              <a:t>2021/9/1</a:t>
+              <a:t>2021/9/2</a:t>
             </a:fld>
             <a:endParaRPr lang="zh-CN" altLang="en-US">
               <a:solidFill>
@@ -1654,7 +1658,7 @@
           <a:p>
             <a:fld id="{D997B5FA-0921-464F-AAE1-844C04324D75}" type="datetimeFigureOut">
               <a:rPr lang="zh-CN" altLang="en-US" smtClean="0"/>
-              <a:t>2021/9/1</a:t>
+              <a:t>2021/9/2</a:t>
             </a:fld>
             <a:endParaRPr lang="zh-CN" altLang="en-US"/>
           </a:p>
@@ -1911,7 +1915,7 @@
           <a:p>
             <a:fld id="{D997B5FA-0921-464F-AAE1-844C04324D75}" type="datetimeFigureOut">
               <a:rPr lang="zh-CN" altLang="en-US" smtClean="0"/>
-              <a:t>2021/9/1</a:t>
+              <a:t>2021/9/2</a:t>
             </a:fld>
             <a:endParaRPr lang="zh-CN" altLang="en-US"/>
           </a:p>
@@ -2152,7 +2156,7 @@
           <a:p>
             <a:fld id="{D997B5FA-0921-464F-AAE1-844C04324D75}" type="datetimeFigureOut">
               <a:rPr lang="zh-CN" altLang="en-US" smtClean="0"/>
-              <a:t>2021/9/1</a:t>
+              <a:t>2021/9/2</a:t>
             </a:fld>
             <a:endParaRPr lang="zh-CN" altLang="en-US"/>
           </a:p>
@@ -2528,7 +2532,7 @@
           <a:p>
             <a:fld id="{D997B5FA-0921-464F-AAE1-844C04324D75}" type="datetimeFigureOut">
               <a:rPr lang="zh-CN" altLang="en-US" smtClean="0"/>
-              <a:t>2021/9/1</a:t>
+              <a:t>2021/9/2</a:t>
             </a:fld>
             <a:endParaRPr lang="zh-CN" altLang="en-US"/>
           </a:p>
@@ -2782,7 +2786,7 @@
           <a:p>
             <a:fld id="{D997B5FA-0921-464F-AAE1-844C04324D75}" type="datetimeFigureOut">
               <a:rPr lang="zh-CN" altLang="en-US" smtClean="0"/>
-              <a:t>2021/9/1</a:t>
+              <a:t>2021/9/2</a:t>
             </a:fld>
             <a:endParaRPr lang="zh-CN" altLang="en-US"/>
           </a:p>
@@ -2889,7 +2893,7 @@
           <a:p>
             <a:fld id="{D997B5FA-0921-464F-AAE1-844C04324D75}" type="datetimeFigureOut">
               <a:rPr lang="zh-CN" altLang="en-US" smtClean="0"/>
-              <a:t>2021/9/1</a:t>
+              <a:t>2021/9/2</a:t>
             </a:fld>
             <a:endParaRPr lang="zh-CN" altLang="en-US"/>
           </a:p>
@@ -3176,7 +3180,7 @@
           <a:p>
             <a:fld id="{D997B5FA-0921-464F-AAE1-844C04324D75}" type="datetimeFigureOut">
               <a:rPr lang="zh-CN" altLang="en-US" smtClean="0"/>
-              <a:t>2021/9/1</a:t>
+              <a:t>2021/9/2</a:t>
             </a:fld>
             <a:endParaRPr lang="zh-CN" altLang="en-US"/>
           </a:p>
@@ -3440,7 +3444,7 @@
           <a:p>
             <a:fld id="{D997B5FA-0921-464F-AAE1-844C04324D75}" type="datetimeFigureOut">
               <a:rPr lang="zh-CN" altLang="en-US" smtClean="0"/>
-              <a:t>2021/9/1</a:t>
+              <a:t>2021/9/2</a:t>
             </a:fld>
             <a:endParaRPr lang="zh-CN" altLang="en-US"/>
           </a:p>
@@ -3666,7 +3670,7 @@
           <a:p>
             <a:fld id="{D997B5FA-0921-464F-AAE1-844C04324D75}" type="datetimeFigureOut">
               <a:rPr lang="zh-CN" altLang="en-US" smtClean="0"/>
-              <a:t>2021/9/1</a:t>
+              <a:t>2021/9/2</a:t>
             </a:fld>
             <a:endParaRPr lang="zh-CN" altLang="en-US"/>
           </a:p>
@@ -4544,14 +4548,7 @@
                 <a:cs typeface="+mn-ea"/>
                 <a:sym typeface="+mn-lt"/>
               </a:rPr>
-              <a:t>21.09.01</a:t>
-            </a:r>
-            <a:r>
-              <a:rPr lang="en-US" altLang="zh-TW" sz="2800" spc="700" dirty="0" smtClean="0">
-                <a:cs typeface="+mn-ea"/>
-                <a:sym typeface="+mn-lt"/>
-              </a:rPr>
-              <a:t>(</a:t>
+              <a:t>21.09.01(</a:t>
             </a:r>
             <a:r>
               <a:rPr lang="zh-TW" altLang="en-US" sz="2800" spc="700" dirty="0" smtClean="0">
@@ -5831,7 +5828,7 @@
         <p:spPr>
           <a:xfrm>
             <a:off x="213983" y="2681640"/>
-            <a:ext cx="6480116" cy="400110"/>
+            <a:ext cx="6480116" cy="1323439"/>
           </a:xfrm>
           <a:prstGeom prst="rect">
             <a:avLst/>
@@ -5875,6 +5872,29 @@
                 <a:sym typeface="+mn-lt"/>
               </a:rPr>
               <a:t>)</a:t>
+            </a:r>
+          </a:p>
+          <a:p>
+            <a:pPr marL="342900" indent="-342900">
+              <a:buFont typeface="Wingdings" panose="05000000000000000000" pitchFamily="2" charset="2"/>
+              <a:buChar char="l"/>
+            </a:pPr>
+            <a:endParaRPr lang="en-US" altLang="zh-TW" sz="2000" spc="400" dirty="0">
+              <a:cs typeface="+mn-ea"/>
+              <a:sym typeface="+mn-lt"/>
+            </a:endParaRPr>
+          </a:p>
+          <a:p>
+            <a:pPr marL="342900" indent="-342900">
+              <a:buFont typeface="Wingdings" panose="05000000000000000000" pitchFamily="2" charset="2"/>
+              <a:buChar char="l"/>
+            </a:pPr>
+            <a:r>
+              <a:rPr lang="zh-TW" altLang="en-US" sz="2000" spc="400" dirty="0" smtClean="0">
+                <a:cs typeface="+mn-ea"/>
+                <a:sym typeface="+mn-lt"/>
+              </a:rPr>
+              <a:t>完成披覆材料、結構材料、光溫控設計的會員功能</a:t>
             </a:r>
             <a:endParaRPr lang="en-US" altLang="zh-TW" sz="2000" spc="400" dirty="0" smtClean="0">
               <a:cs typeface="+mn-ea"/>
@@ -6278,7 +6298,7 @@
       </p:grpSp>
       <p:pic>
         <p:nvPicPr>
-          <p:cNvPr id="8" name="Picture 2"/>
+          <p:cNvPr id="1026" name="Picture 2"/>
           <p:cNvPicPr>
             <a:picLocks noChangeAspect="1" noChangeArrowheads="1"/>
           </p:cNvPicPr>
@@ -6299,8 +6319,8 @@
         </p:blipFill>
         <p:spPr bwMode="auto">
           <a:xfrm>
-            <a:off x="494109" y="2272685"/>
-            <a:ext cx="10972055" cy="3666642"/>
+            <a:off x="989052" y="1535560"/>
+            <a:ext cx="10308850" cy="5033555"/>
           </a:xfrm>
           <a:prstGeom prst="rect">
             <a:avLst/>
@@ -6332,14 +6352,14 @@
       </p:pic>
       <p:sp>
         <p:nvSpPr>
-          <p:cNvPr id="9" name="矩形 8"/>
+          <p:cNvPr id="6" name="矩形 5"/>
           <p:cNvSpPr/>
           <p:nvPr/>
         </p:nvSpPr>
         <p:spPr>
           <a:xfrm>
-            <a:off x="5428268" y="4106005"/>
-            <a:ext cx="3005460" cy="1167626"/>
+            <a:off x="8537249" y="3204672"/>
+            <a:ext cx="2375730" cy="847665"/>
           </a:xfrm>
           <a:prstGeom prst="rect">
             <a:avLst/>
@@ -6372,14 +6392,14 @@
       </p:sp>
       <p:sp>
         <p:nvSpPr>
-          <p:cNvPr id="10" name="文字方塊 9"/>
+          <p:cNvPr id="7" name="文字方塊 6"/>
           <p:cNvSpPr txBox="1"/>
           <p:nvPr/>
         </p:nvSpPr>
         <p:spPr>
           <a:xfrm>
-            <a:off x="5428268" y="4366652"/>
-            <a:ext cx="3340435" cy="646331"/>
+            <a:off x="8571432" y="3281584"/>
+            <a:ext cx="2307364" cy="646331"/>
           </a:xfrm>
           <a:prstGeom prst="rect">
             <a:avLst/>
@@ -6394,17 +6414,18 @@
           <a:p>
             <a:r>
               <a:rPr lang="zh-TW" altLang="en-US" dirty="0" smtClean="0"/>
-              <a:t>與光控設計一樣的</a:t>
+              <a:t>解決新增使用者後 </a:t>
+            </a:r>
+            <a:endParaRPr lang="en-US" altLang="zh-TW" dirty="0" smtClean="0"/>
+          </a:p>
+          <a:p>
+            <a:r>
+              <a:rPr lang="zh-TW" altLang="en-US" dirty="0" smtClean="0"/>
+              <a:t>無法新增表單的</a:t>
             </a:r>
             <a:r>
               <a:rPr lang="en-US" altLang="zh-TW" dirty="0" smtClean="0"/>
               <a:t>bug</a:t>
-            </a:r>
-          </a:p>
-          <a:p>
-            <a:r>
-              <a:rPr lang="zh-TW" altLang="en-US" dirty="0" smtClean="0"/>
-              <a:t>已經修好了</a:t>
             </a:r>
             <a:endParaRPr lang="zh-TW" altLang="en-US" dirty="0"/>
           </a:p>
@@ -6664,6 +6685,2168 @@
         <p:grpSpPr>
           <a:xfrm>
             <a:off x="3174997" y="559000"/>
+            <a:ext cx="6028824" cy="976561"/>
+            <a:chOff x="736600" y="1991896"/>
+            <a:chExt cx="3628206" cy="1083521"/>
+          </a:xfrm>
+        </p:grpSpPr>
+        <p:sp>
+          <p:nvSpPr>
+            <p:cNvPr id="4" name="文本框 3">
+              <a:extLst>
+                <a:ext uri="{FF2B5EF4-FFF2-40B4-BE49-F238E27FC236}">
+                  <a16:creationId xmlns:a16="http://schemas.microsoft.com/office/drawing/2014/main" xmlns="" id="{F069F7C5-7C6B-4416-BA43-7E9FF2B95F70}"/>
+                </a:ext>
+              </a:extLst>
+            </p:cNvPr>
+            <p:cNvSpPr txBox="1"/>
+            <p:nvPr/>
+          </p:nvSpPr>
+          <p:spPr>
+            <a:xfrm>
+              <a:off x="736600" y="1991896"/>
+              <a:ext cx="3628206" cy="785419"/>
+            </a:xfrm>
+            <a:prstGeom prst="rect">
+              <a:avLst/>
+            </a:prstGeom>
+            <a:noFill/>
+          </p:spPr>
+          <p:txBody>
+            <a:bodyPr wrap="square" rtlCol="0">
+              <a:spAutoFit/>
+            </a:bodyPr>
+            <a:lstStyle/>
+            <a:p>
+              <a:pPr algn="ctr"/>
+              <a:r>
+                <a:rPr lang="zh-TW" altLang="en-US" sz="4000" dirty="0" smtClean="0">
+                  <a:cs typeface="+mn-ea"/>
+                  <a:sym typeface="+mn-lt"/>
+                </a:rPr>
+                <a:t>披覆材料會員功能</a:t>
+              </a:r>
+              <a:endParaRPr lang="zh-CN" altLang="en-US" sz="4000" dirty="0">
+                <a:cs typeface="+mn-ea"/>
+                <a:sym typeface="+mn-lt"/>
+              </a:endParaRPr>
+            </a:p>
+          </p:txBody>
+        </p:sp>
+        <p:sp>
+          <p:nvSpPr>
+            <p:cNvPr id="5" name="文本框 4">
+              <a:extLst>
+                <a:ext uri="{FF2B5EF4-FFF2-40B4-BE49-F238E27FC236}">
+                  <a16:creationId xmlns:a16="http://schemas.microsoft.com/office/drawing/2014/main" xmlns="" id="{E7404F6D-3A40-4203-8F0A-6169C74FB4CA}"/>
+                </a:ext>
+              </a:extLst>
+            </p:cNvPr>
+            <p:cNvSpPr txBox="1"/>
+            <p:nvPr/>
+          </p:nvSpPr>
+          <p:spPr>
+            <a:xfrm>
+              <a:off x="793749" y="2699782"/>
+              <a:ext cx="3458623" cy="375635"/>
+            </a:xfrm>
+            <a:prstGeom prst="rect">
+              <a:avLst/>
+            </a:prstGeom>
+            <a:noFill/>
+          </p:spPr>
+          <p:txBody>
+            <a:bodyPr wrap="square">
+              <a:spAutoFit/>
+            </a:bodyPr>
+            <a:lstStyle/>
+            <a:p>
+              <a:pPr algn="ctr"/>
+              <a:r>
+                <a:rPr lang="en-US" altLang="zh-TW" sz="1600" dirty="0">
+                  <a:cs typeface="+mn-ea"/>
+                  <a:sym typeface="+mn-lt"/>
+                </a:rPr>
+                <a:t>Project </a:t>
+              </a:r>
+              <a:r>
+                <a:rPr lang="en-US" altLang="zh-TW" sz="1600" dirty="0" smtClean="0">
+                  <a:cs typeface="+mn-ea"/>
+                  <a:sym typeface="+mn-lt"/>
+                </a:rPr>
+                <a:t>planning</a:t>
+              </a:r>
+              <a:endParaRPr lang="zh-CN" altLang="en-US" sz="1600" dirty="0">
+                <a:cs typeface="+mn-ea"/>
+                <a:sym typeface="+mn-lt"/>
+              </a:endParaRPr>
+            </a:p>
+          </p:txBody>
+        </p:sp>
+      </p:grpSp>
+      <p:pic>
+        <p:nvPicPr>
+          <p:cNvPr id="8" name="Picture 2"/>
+          <p:cNvPicPr>
+            <a:picLocks noChangeAspect="1" noChangeArrowheads="1"/>
+          </p:cNvPicPr>
+          <p:nvPr/>
+        </p:nvPicPr>
+        <p:blipFill>
+          <a:blip r:embed="rId2">
+            <a:extLst>
+              <a:ext uri="{28A0092B-C50C-407E-A947-70E740481C1C}">
+                <a14:useLocalDpi xmlns:a14="http://schemas.microsoft.com/office/drawing/2010/main" val="0"/>
+              </a:ext>
+            </a:extLst>
+          </a:blip>
+          <a:srcRect/>
+          <a:stretch>
+            <a:fillRect/>
+          </a:stretch>
+        </p:blipFill>
+        <p:spPr bwMode="auto">
+          <a:xfrm>
+            <a:off x="1230594" y="1612713"/>
+            <a:ext cx="10041309" cy="5070097"/>
+          </a:xfrm>
+          <a:prstGeom prst="rect">
+            <a:avLst/>
+          </a:prstGeom>
+          <a:noFill/>
+          <a:ln>
+            <a:noFill/>
+          </a:ln>
+          <a:extLst>
+            <a:ext uri="{909E8E84-426E-40DD-AFC4-6F175D3DCCD1}">
+              <a14:hiddenFill xmlns:a14="http://schemas.microsoft.com/office/drawing/2010/main">
+                <a:solidFill>
+                  <a:schemeClr val="accent1"/>
+                </a:solidFill>
+              </a14:hiddenFill>
+            </a:ext>
+            <a:ext uri="{91240B29-F687-4F45-9708-019B960494DF}">
+              <a14:hiddenLine xmlns:a14="http://schemas.microsoft.com/office/drawing/2010/main" w="9525">
+                <a:solidFill>
+                  <a:schemeClr val="tx1"/>
+                </a:solidFill>
+                <a:miter lim="800000"/>
+                <a:headEnd/>
+                <a:tailEnd/>
+              </a14:hiddenLine>
+            </a:ext>
+          </a:extLst>
+        </p:spPr>
+      </p:pic>
+      <p:sp>
+        <p:nvSpPr>
+          <p:cNvPr id="9" name="向右箭號 8"/>
+          <p:cNvSpPr/>
+          <p:nvPr/>
+        </p:nvSpPr>
+        <p:spPr>
+          <a:xfrm rot="16584561">
+            <a:off x="7802310" y="2794475"/>
+            <a:ext cx="418744" cy="290557"/>
+          </a:xfrm>
+          <a:prstGeom prst="rightArrow">
+            <a:avLst/>
+          </a:prstGeom>
+        </p:spPr>
+        <p:style>
+          <a:lnRef idx="2">
+            <a:schemeClr val="accent1">
+              <a:shade val="50000"/>
+            </a:schemeClr>
+          </a:lnRef>
+          <a:fillRef idx="1">
+            <a:schemeClr val="accent1"/>
+          </a:fillRef>
+          <a:effectRef idx="0">
+            <a:schemeClr val="accent1"/>
+          </a:effectRef>
+          <a:fontRef idx="minor">
+            <a:schemeClr val="lt1"/>
+          </a:fontRef>
+        </p:style>
+        <p:txBody>
+          <a:bodyPr rtlCol="0" anchor="ctr"/>
+          <a:lstStyle/>
+          <a:p>
+            <a:pPr algn="ctr"/>
+            <a:endParaRPr lang="zh-TW" altLang="en-US"/>
+          </a:p>
+        </p:txBody>
+      </p:sp>
+      <p:sp>
+        <p:nvSpPr>
+          <p:cNvPr id="10" name="矩形 9"/>
+          <p:cNvSpPr/>
+          <p:nvPr/>
+        </p:nvSpPr>
+        <p:spPr>
+          <a:xfrm>
+            <a:off x="7733944" y="3290131"/>
+            <a:ext cx="4324172" cy="1051133"/>
+          </a:xfrm>
+          <a:prstGeom prst="rect">
+            <a:avLst/>
+          </a:prstGeom>
+        </p:spPr>
+        <p:style>
+          <a:lnRef idx="2">
+            <a:schemeClr val="accent1">
+              <a:shade val="50000"/>
+            </a:schemeClr>
+          </a:lnRef>
+          <a:fillRef idx="1">
+            <a:schemeClr val="accent1"/>
+          </a:fillRef>
+          <a:effectRef idx="0">
+            <a:schemeClr val="accent1"/>
+          </a:effectRef>
+          <a:fontRef idx="minor">
+            <a:schemeClr val="lt1"/>
+          </a:fontRef>
+        </p:style>
+        <p:txBody>
+          <a:bodyPr rtlCol="0" anchor="ctr"/>
+          <a:lstStyle/>
+          <a:p>
+            <a:pPr algn="ctr"/>
+            <a:endParaRPr lang="zh-TW" altLang="en-US"/>
+          </a:p>
+        </p:txBody>
+      </p:sp>
+      <p:sp>
+        <p:nvSpPr>
+          <p:cNvPr id="11" name="文字方塊 10"/>
+          <p:cNvSpPr txBox="1"/>
+          <p:nvPr/>
+        </p:nvSpPr>
+        <p:spPr>
+          <a:xfrm>
+            <a:off x="7733944" y="3290131"/>
+            <a:ext cx="4324172" cy="923330"/>
+          </a:xfrm>
+          <a:prstGeom prst="rect">
+            <a:avLst/>
+          </a:prstGeom>
+          <a:noFill/>
+        </p:spPr>
+        <p:txBody>
+          <a:bodyPr wrap="square" rtlCol="0">
+            <a:spAutoFit/>
+          </a:bodyPr>
+          <a:lstStyle/>
+          <a:p>
+            <a:r>
+              <a:rPr lang="zh-TW" altLang="en-US" dirty="0" smtClean="0"/>
+              <a:t>目前登入者為</a:t>
+            </a:r>
+            <a:r>
+              <a:rPr lang="en-US" altLang="zh-TW" dirty="0" smtClean="0"/>
+              <a:t>bobo(uid:5)</a:t>
+            </a:r>
+            <a:r>
+              <a:rPr lang="zh-TW" altLang="en-US" dirty="0" smtClean="0"/>
+              <a:t>，</a:t>
+            </a:r>
+            <a:r>
+              <a:rPr lang="zh-TW" altLang="en-US" dirty="0"/>
+              <a:t>資料庫內有三</a:t>
+            </a:r>
+            <a:r>
+              <a:rPr lang="zh-TW" altLang="en-US" dirty="0" smtClean="0"/>
+              <a:t>筆</a:t>
+            </a:r>
+            <a:r>
+              <a:rPr lang="en-US" altLang="zh-TW" dirty="0" smtClean="0"/>
+              <a:t>bobo</a:t>
+            </a:r>
+            <a:r>
+              <a:rPr lang="zh-TW" altLang="en-US" dirty="0" smtClean="0"/>
+              <a:t>的資料，則網站就只顯示</a:t>
+            </a:r>
+            <a:r>
+              <a:rPr lang="en-US" altLang="zh-TW" dirty="0" smtClean="0"/>
+              <a:t>3</a:t>
+            </a:r>
+            <a:r>
+              <a:rPr lang="zh-TW" altLang="en-US" dirty="0" smtClean="0"/>
+              <a:t>筆資料</a:t>
+            </a:r>
+            <a:endParaRPr lang="zh-TW" altLang="en-US" dirty="0"/>
+          </a:p>
+        </p:txBody>
+      </p:sp>
+    </p:spTree>
+    <p:extLst>
+      <p:ext uri="{BB962C8B-B14F-4D97-AF65-F5344CB8AC3E}">
+        <p14:creationId xmlns:p14="http://schemas.microsoft.com/office/powerpoint/2010/main" val="3481429831"/>
+      </p:ext>
+    </p:extLst>
+  </p:cSld>
+  <p:clrMapOvr>
+    <a:masterClrMapping/>
+  </p:clrMapOvr>
+  <mc:AlternateContent xmlns:mc="http://schemas.openxmlformats.org/markup-compatibility/2006" xmlns:p14="http://schemas.microsoft.com/office/powerpoint/2010/main">
+    <mc:Choice Requires="p14">
+      <p:transition spd="slow" p14:dur="1500">
+        <p:random/>
+      </p:transition>
+    </mc:Choice>
+    <mc:Fallback xmlns="">
+      <p:transition spd="slow">
+        <p:random/>
+      </p:transition>
+    </mc:Fallback>
+  </mc:AlternateContent>
+  <p:timing>
+    <p:tnLst>
+      <p:par>
+        <p:cTn id="1" dur="indefinite" restart="never" nodeType="tmRoot">
+          <p:childTnLst>
+            <p:seq concurrent="1" nextAc="seek">
+              <p:cTn id="2" dur="indefinite" nodeType="mainSeq">
+                <p:childTnLst>
+                  <p:par>
+                    <p:cTn id="3" fill="hold">
+                      <p:stCondLst>
+                        <p:cond delay="indefinite"/>
+                      </p:stCondLst>
+                      <p:childTnLst>
+                        <p:par>
+                          <p:cTn id="4" fill="hold">
+                            <p:stCondLst>
+                              <p:cond delay="0"/>
+                            </p:stCondLst>
+                            <p:childTnLst>
+                              <p:par>
+                                <p:cTn id="5" presetID="16" presetClass="entr" presetSubtype="37" fill="hold" grpId="0" nodeType="clickEffect">
+                                  <p:stCondLst>
+                                    <p:cond delay="0"/>
+                                  </p:stCondLst>
+                                  <p:childTnLst>
+                                    <p:set>
+                                      <p:cBhvr>
+                                        <p:cTn id="6" dur="1" fill="hold">
+                                          <p:stCondLst>
+                                            <p:cond delay="0"/>
+                                          </p:stCondLst>
+                                        </p:cTn>
+                                        <p:tgtEl>
+                                          <p:spTgt spid="2"/>
+                                        </p:tgtEl>
+                                        <p:attrNameLst>
+                                          <p:attrName>style.visibility</p:attrName>
+                                        </p:attrNameLst>
+                                      </p:cBhvr>
+                                      <p:to>
+                                        <p:strVal val="visible"/>
+                                      </p:to>
+                                    </p:set>
+                                    <p:animEffect transition="in" filter="barn(outVertical)">
+                                      <p:cBhvr>
+                                        <p:cTn id="7" dur="500"/>
+                                        <p:tgtEl>
+                                          <p:spTgt spid="2"/>
+                                        </p:tgtEl>
+                                      </p:cBhvr>
+                                    </p:animEffect>
+                                  </p:childTnLst>
+                                </p:cTn>
+                              </p:par>
+                            </p:childTnLst>
+                          </p:cTn>
+                        </p:par>
+                      </p:childTnLst>
+                    </p:cTn>
+                  </p:par>
+                  <p:par>
+                    <p:cTn id="8" fill="hold">
+                      <p:stCondLst>
+                        <p:cond delay="indefinite"/>
+                      </p:stCondLst>
+                      <p:childTnLst>
+                        <p:par>
+                          <p:cTn id="9" fill="hold">
+                            <p:stCondLst>
+                              <p:cond delay="0"/>
+                            </p:stCondLst>
+                            <p:childTnLst>
+                              <p:par>
+                                <p:cTn id="10" presetID="22" presetClass="entr" presetSubtype="8" fill="hold" nodeType="clickEffect">
+                                  <p:stCondLst>
+                                    <p:cond delay="0"/>
+                                  </p:stCondLst>
+                                  <p:childTnLst>
+                                    <p:set>
+                                      <p:cBhvr>
+                                        <p:cTn id="11" dur="1" fill="hold">
+                                          <p:stCondLst>
+                                            <p:cond delay="0"/>
+                                          </p:stCondLst>
+                                        </p:cTn>
+                                        <p:tgtEl>
+                                          <p:spTgt spid="3"/>
+                                        </p:tgtEl>
+                                        <p:attrNameLst>
+                                          <p:attrName>style.visibility</p:attrName>
+                                        </p:attrNameLst>
+                                      </p:cBhvr>
+                                      <p:to>
+                                        <p:strVal val="visible"/>
+                                      </p:to>
+                                    </p:set>
+                                    <p:animEffect transition="in" filter="wipe(left)">
+                                      <p:cBhvr>
+                                        <p:cTn id="12" dur="500"/>
+                                        <p:tgtEl>
+                                          <p:spTgt spid="3"/>
+                                        </p:tgtEl>
+                                      </p:cBhvr>
+                                    </p:animEffect>
+                                  </p:childTnLst>
+                                </p:cTn>
+                              </p:par>
+                            </p:childTnLst>
+                          </p:cTn>
+                        </p:par>
+                      </p:childTnLst>
+                    </p:cTn>
+                  </p:par>
+                </p:childTnLst>
+              </p:cTn>
+              <p:prevCondLst>
+                <p:cond evt="onPrev" delay="0">
+                  <p:tgtEl>
+                    <p:sldTgt/>
+                  </p:tgtEl>
+                </p:cond>
+              </p:prevCondLst>
+              <p:nextCondLst>
+                <p:cond evt="onNext" delay="0">
+                  <p:tgtEl>
+                    <p:sldTgt/>
+                  </p:tgtEl>
+                </p:cond>
+              </p:nextCondLst>
+            </p:seq>
+          </p:childTnLst>
+        </p:cTn>
+      </p:par>
+    </p:tnLst>
+    <p:bldLst>
+      <p:bldP spid="2" grpId="0" animBg="1"/>
+    </p:bldLst>
+  </p:timing>
+</p:sld>
+</file>
+
+<file path=ppt/slides/slide5.xml><?xml version="1.0" encoding="utf-8"?>
+<p:sld xmlns:a="http://schemas.openxmlformats.org/drawingml/2006/main" xmlns:r="http://schemas.openxmlformats.org/officeDocument/2006/relationships" xmlns:p="http://schemas.openxmlformats.org/presentationml/2006/main">
+  <p:cSld>
+    <p:spTree>
+      <p:nvGrpSpPr>
+        <p:cNvPr id="1" name=""/>
+        <p:cNvGrpSpPr/>
+        <p:nvPr/>
+      </p:nvGrpSpPr>
+      <p:grpSpPr>
+        <a:xfrm>
+          <a:off x="0" y="0"/>
+          <a:ext cx="0" cy="0"/>
+          <a:chOff x="0" y="0"/>
+          <a:chExt cx="0" cy="0"/>
+        </a:xfrm>
+      </p:grpSpPr>
+      <p:sp>
+        <p:nvSpPr>
+          <p:cNvPr id="2" name="矩形 1">
+            <a:extLst>
+              <a:ext uri="{FF2B5EF4-FFF2-40B4-BE49-F238E27FC236}">
+                <a16:creationId xmlns:a16="http://schemas.microsoft.com/office/drawing/2014/main" xmlns="" id="{6130B33B-FCB5-4AFA-8175-BA08126D80E1}"/>
+              </a:ext>
+            </a:extLst>
+          </p:cNvPr>
+          <p:cNvSpPr/>
+          <p:nvPr/>
+        </p:nvSpPr>
+        <p:spPr>
+          <a:xfrm>
+            <a:off x="5029196" y="265030"/>
+            <a:ext cx="2133600" cy="228600"/>
+          </a:xfrm>
+          <a:prstGeom prst="rect">
+            <a:avLst/>
+          </a:prstGeom>
+          <a:solidFill>
+            <a:schemeClr val="tx1">
+              <a:lumMod val="75000"/>
+              <a:lumOff val="25000"/>
+            </a:schemeClr>
+          </a:solidFill>
+          <a:ln>
+            <a:noFill/>
+          </a:ln>
+        </p:spPr>
+        <p:style>
+          <a:lnRef idx="2">
+            <a:schemeClr val="accent1">
+              <a:shade val="50000"/>
+            </a:schemeClr>
+          </a:lnRef>
+          <a:fillRef idx="1">
+            <a:schemeClr val="accent1"/>
+          </a:fillRef>
+          <a:effectRef idx="0">
+            <a:schemeClr val="accent1"/>
+          </a:effectRef>
+          <a:fontRef idx="minor">
+            <a:schemeClr val="lt1"/>
+          </a:fontRef>
+        </p:style>
+        <p:txBody>
+          <a:bodyPr rtlCol="0" anchor="ctr"/>
+          <a:lstStyle/>
+          <a:p>
+            <a:pPr algn="ctr"/>
+            <a:endParaRPr lang="zh-CN" altLang="en-US">
+              <a:cs typeface="+mn-ea"/>
+              <a:sym typeface="+mn-lt"/>
+            </a:endParaRPr>
+          </a:p>
+        </p:txBody>
+      </p:sp>
+      <p:grpSp>
+        <p:nvGrpSpPr>
+          <p:cNvPr id="3" name="组合 2">
+            <a:extLst>
+              <a:ext uri="{FF2B5EF4-FFF2-40B4-BE49-F238E27FC236}">
+                <a16:creationId xmlns:a16="http://schemas.microsoft.com/office/drawing/2014/main" xmlns="" id="{CF3B8F59-C87E-48F7-911B-3FCC3B1922F9}"/>
+              </a:ext>
+            </a:extLst>
+          </p:cNvPr>
+          <p:cNvGrpSpPr/>
+          <p:nvPr/>
+        </p:nvGrpSpPr>
+        <p:grpSpPr>
+          <a:xfrm>
+            <a:off x="3174997" y="559000"/>
+            <a:ext cx="6028824" cy="976561"/>
+            <a:chOff x="736600" y="1991896"/>
+            <a:chExt cx="3628206" cy="1083521"/>
+          </a:xfrm>
+        </p:grpSpPr>
+        <p:sp>
+          <p:nvSpPr>
+            <p:cNvPr id="4" name="文本框 3">
+              <a:extLst>
+                <a:ext uri="{FF2B5EF4-FFF2-40B4-BE49-F238E27FC236}">
+                  <a16:creationId xmlns:a16="http://schemas.microsoft.com/office/drawing/2014/main" xmlns="" id="{F069F7C5-7C6B-4416-BA43-7E9FF2B95F70}"/>
+                </a:ext>
+              </a:extLst>
+            </p:cNvPr>
+            <p:cNvSpPr txBox="1"/>
+            <p:nvPr/>
+          </p:nvSpPr>
+          <p:spPr>
+            <a:xfrm>
+              <a:off x="736600" y="1991896"/>
+              <a:ext cx="3628206" cy="785419"/>
+            </a:xfrm>
+            <a:prstGeom prst="rect">
+              <a:avLst/>
+            </a:prstGeom>
+            <a:noFill/>
+          </p:spPr>
+          <p:txBody>
+            <a:bodyPr wrap="square" rtlCol="0">
+              <a:spAutoFit/>
+            </a:bodyPr>
+            <a:lstStyle/>
+            <a:p>
+              <a:pPr algn="ctr"/>
+              <a:r>
+                <a:rPr lang="zh-TW" altLang="en-US" sz="4000" dirty="0" smtClean="0">
+                  <a:cs typeface="+mn-ea"/>
+                  <a:sym typeface="+mn-lt"/>
+                </a:rPr>
+                <a:t>結構材料會員</a:t>
+              </a:r>
+              <a:r>
+                <a:rPr lang="zh-TW" altLang="en-US" sz="4000" dirty="0">
+                  <a:cs typeface="+mn-ea"/>
+                  <a:sym typeface="+mn-lt"/>
+                </a:rPr>
+                <a:t>功能</a:t>
+              </a:r>
+              <a:endParaRPr lang="zh-CN" altLang="en-US" sz="4000" dirty="0">
+                <a:cs typeface="+mn-ea"/>
+                <a:sym typeface="+mn-lt"/>
+              </a:endParaRPr>
+            </a:p>
+          </p:txBody>
+        </p:sp>
+        <p:sp>
+          <p:nvSpPr>
+            <p:cNvPr id="5" name="文本框 4">
+              <a:extLst>
+                <a:ext uri="{FF2B5EF4-FFF2-40B4-BE49-F238E27FC236}">
+                  <a16:creationId xmlns:a16="http://schemas.microsoft.com/office/drawing/2014/main" xmlns="" id="{E7404F6D-3A40-4203-8F0A-6169C74FB4CA}"/>
+                </a:ext>
+              </a:extLst>
+            </p:cNvPr>
+            <p:cNvSpPr txBox="1"/>
+            <p:nvPr/>
+          </p:nvSpPr>
+          <p:spPr>
+            <a:xfrm>
+              <a:off x="793749" y="2699782"/>
+              <a:ext cx="3458623" cy="375635"/>
+            </a:xfrm>
+            <a:prstGeom prst="rect">
+              <a:avLst/>
+            </a:prstGeom>
+            <a:noFill/>
+          </p:spPr>
+          <p:txBody>
+            <a:bodyPr wrap="square">
+              <a:spAutoFit/>
+            </a:bodyPr>
+            <a:lstStyle/>
+            <a:p>
+              <a:pPr algn="ctr"/>
+              <a:r>
+                <a:rPr lang="en-US" altLang="zh-TW" sz="1600" dirty="0">
+                  <a:cs typeface="+mn-ea"/>
+                  <a:sym typeface="+mn-lt"/>
+                </a:rPr>
+                <a:t>Project </a:t>
+              </a:r>
+              <a:r>
+                <a:rPr lang="en-US" altLang="zh-TW" sz="1600" dirty="0" smtClean="0">
+                  <a:cs typeface="+mn-ea"/>
+                  <a:sym typeface="+mn-lt"/>
+                </a:rPr>
+                <a:t>planning</a:t>
+              </a:r>
+              <a:endParaRPr lang="zh-CN" altLang="en-US" sz="1600" dirty="0">
+                <a:cs typeface="+mn-ea"/>
+                <a:sym typeface="+mn-lt"/>
+              </a:endParaRPr>
+            </a:p>
+          </p:txBody>
+        </p:sp>
+      </p:grpSp>
+      <p:pic>
+        <p:nvPicPr>
+          <p:cNvPr id="2050" name="Picture 2"/>
+          <p:cNvPicPr>
+            <a:picLocks noChangeAspect="1" noChangeArrowheads="1"/>
+          </p:cNvPicPr>
+          <p:nvPr/>
+        </p:nvPicPr>
+        <p:blipFill>
+          <a:blip r:embed="rId2">
+            <a:extLst>
+              <a:ext uri="{28A0092B-C50C-407E-A947-70E740481C1C}">
+                <a14:useLocalDpi xmlns:a14="http://schemas.microsoft.com/office/drawing/2010/main" val="0"/>
+              </a:ext>
+            </a:extLst>
+          </a:blip>
+          <a:srcRect/>
+          <a:stretch>
+            <a:fillRect/>
+          </a:stretch>
+        </p:blipFill>
+        <p:spPr bwMode="auto">
+          <a:xfrm>
+            <a:off x="934335" y="1535561"/>
+            <a:ext cx="10323319" cy="5146766"/>
+          </a:xfrm>
+          <a:prstGeom prst="rect">
+            <a:avLst/>
+          </a:prstGeom>
+          <a:noFill/>
+          <a:ln>
+            <a:noFill/>
+          </a:ln>
+          <a:extLst>
+            <a:ext uri="{909E8E84-426E-40DD-AFC4-6F175D3DCCD1}">
+              <a14:hiddenFill xmlns:a14="http://schemas.microsoft.com/office/drawing/2010/main">
+                <a:solidFill>
+                  <a:schemeClr val="accent1"/>
+                </a:solidFill>
+              </a14:hiddenFill>
+            </a:ext>
+            <a:ext uri="{91240B29-F687-4F45-9708-019B960494DF}">
+              <a14:hiddenLine xmlns:a14="http://schemas.microsoft.com/office/drawing/2010/main" w="9525">
+                <a:solidFill>
+                  <a:schemeClr val="tx1"/>
+                </a:solidFill>
+                <a:miter lim="800000"/>
+                <a:headEnd/>
+                <a:tailEnd/>
+              </a14:hiddenLine>
+            </a:ext>
+          </a:extLst>
+        </p:spPr>
+      </p:pic>
+      <p:sp>
+        <p:nvSpPr>
+          <p:cNvPr id="8" name="向右箭號 7"/>
+          <p:cNvSpPr/>
+          <p:nvPr/>
+        </p:nvSpPr>
+        <p:spPr>
+          <a:xfrm rot="15814345">
+            <a:off x="7751035" y="2767626"/>
+            <a:ext cx="538385" cy="384560"/>
+          </a:xfrm>
+          <a:prstGeom prst="rightArrow">
+            <a:avLst/>
+          </a:prstGeom>
+        </p:spPr>
+        <p:style>
+          <a:lnRef idx="2">
+            <a:schemeClr val="accent1">
+              <a:shade val="50000"/>
+            </a:schemeClr>
+          </a:lnRef>
+          <a:fillRef idx="1">
+            <a:schemeClr val="accent1"/>
+          </a:fillRef>
+          <a:effectRef idx="0">
+            <a:schemeClr val="accent1"/>
+          </a:effectRef>
+          <a:fontRef idx="minor">
+            <a:schemeClr val="lt1"/>
+          </a:fontRef>
+        </p:style>
+        <p:txBody>
+          <a:bodyPr rtlCol="0" anchor="ctr"/>
+          <a:lstStyle/>
+          <a:p>
+            <a:pPr algn="ctr"/>
+            <a:endParaRPr lang="zh-TW" altLang="en-US"/>
+          </a:p>
+        </p:txBody>
+      </p:sp>
+      <p:sp>
+        <p:nvSpPr>
+          <p:cNvPr id="9" name="矩形 8"/>
+          <p:cNvSpPr/>
+          <p:nvPr/>
+        </p:nvSpPr>
+        <p:spPr>
+          <a:xfrm>
+            <a:off x="7571574" y="3486684"/>
+            <a:ext cx="3179035" cy="504202"/>
+          </a:xfrm>
+          <a:prstGeom prst="rect">
+            <a:avLst/>
+          </a:prstGeom>
+        </p:spPr>
+        <p:style>
+          <a:lnRef idx="2">
+            <a:schemeClr val="accent1">
+              <a:shade val="50000"/>
+            </a:schemeClr>
+          </a:lnRef>
+          <a:fillRef idx="1">
+            <a:schemeClr val="accent1"/>
+          </a:fillRef>
+          <a:effectRef idx="0">
+            <a:schemeClr val="accent1"/>
+          </a:effectRef>
+          <a:fontRef idx="minor">
+            <a:schemeClr val="lt1"/>
+          </a:fontRef>
+        </p:style>
+        <p:txBody>
+          <a:bodyPr rtlCol="0" anchor="ctr"/>
+          <a:lstStyle/>
+          <a:p>
+            <a:pPr algn="ctr"/>
+            <a:endParaRPr lang="zh-TW" altLang="en-US"/>
+          </a:p>
+        </p:txBody>
+      </p:sp>
+      <p:sp>
+        <p:nvSpPr>
+          <p:cNvPr id="10" name="文字方塊 9"/>
+          <p:cNvSpPr txBox="1"/>
+          <p:nvPr/>
+        </p:nvSpPr>
+        <p:spPr>
+          <a:xfrm>
+            <a:off x="7665578" y="3589234"/>
+            <a:ext cx="3255947" cy="369332"/>
+          </a:xfrm>
+          <a:prstGeom prst="rect">
+            <a:avLst/>
+          </a:prstGeom>
+          <a:noFill/>
+        </p:spPr>
+        <p:txBody>
+          <a:bodyPr wrap="square" rtlCol="0">
+            <a:spAutoFit/>
+          </a:bodyPr>
+          <a:lstStyle/>
+          <a:p>
+            <a:r>
+              <a:rPr lang="zh-TW" altLang="en-US" dirty="0" smtClean="0"/>
+              <a:t>兩筆</a:t>
+            </a:r>
+            <a:r>
+              <a:rPr lang="en-US" altLang="zh-TW" dirty="0" smtClean="0"/>
+              <a:t>bobo(uid:5)</a:t>
+            </a:r>
+            <a:r>
+              <a:rPr lang="zh-TW" altLang="en-US" dirty="0" smtClean="0"/>
+              <a:t>管材的資料</a:t>
+            </a:r>
+            <a:endParaRPr lang="zh-TW" altLang="en-US" dirty="0"/>
+          </a:p>
+        </p:txBody>
+      </p:sp>
+    </p:spTree>
+    <p:extLst>
+      <p:ext uri="{BB962C8B-B14F-4D97-AF65-F5344CB8AC3E}">
+        <p14:creationId xmlns:p14="http://schemas.microsoft.com/office/powerpoint/2010/main" val="3481429831"/>
+      </p:ext>
+    </p:extLst>
+  </p:cSld>
+  <p:clrMapOvr>
+    <a:masterClrMapping/>
+  </p:clrMapOvr>
+  <mc:AlternateContent xmlns:mc="http://schemas.openxmlformats.org/markup-compatibility/2006" xmlns:p14="http://schemas.microsoft.com/office/powerpoint/2010/main">
+    <mc:Choice Requires="p14">
+      <p:transition spd="slow" p14:dur="1500">
+        <p:random/>
+      </p:transition>
+    </mc:Choice>
+    <mc:Fallback xmlns="">
+      <p:transition spd="slow">
+        <p:random/>
+      </p:transition>
+    </mc:Fallback>
+  </mc:AlternateContent>
+  <p:timing>
+    <p:tnLst>
+      <p:par>
+        <p:cTn id="1" dur="indefinite" restart="never" nodeType="tmRoot">
+          <p:childTnLst>
+            <p:seq concurrent="1" nextAc="seek">
+              <p:cTn id="2" dur="indefinite" nodeType="mainSeq">
+                <p:childTnLst>
+                  <p:par>
+                    <p:cTn id="3" fill="hold">
+                      <p:stCondLst>
+                        <p:cond delay="indefinite"/>
+                      </p:stCondLst>
+                      <p:childTnLst>
+                        <p:par>
+                          <p:cTn id="4" fill="hold">
+                            <p:stCondLst>
+                              <p:cond delay="0"/>
+                            </p:stCondLst>
+                            <p:childTnLst>
+                              <p:par>
+                                <p:cTn id="5" presetID="16" presetClass="entr" presetSubtype="37" fill="hold" grpId="0" nodeType="clickEffect">
+                                  <p:stCondLst>
+                                    <p:cond delay="0"/>
+                                  </p:stCondLst>
+                                  <p:childTnLst>
+                                    <p:set>
+                                      <p:cBhvr>
+                                        <p:cTn id="6" dur="1" fill="hold">
+                                          <p:stCondLst>
+                                            <p:cond delay="0"/>
+                                          </p:stCondLst>
+                                        </p:cTn>
+                                        <p:tgtEl>
+                                          <p:spTgt spid="2"/>
+                                        </p:tgtEl>
+                                        <p:attrNameLst>
+                                          <p:attrName>style.visibility</p:attrName>
+                                        </p:attrNameLst>
+                                      </p:cBhvr>
+                                      <p:to>
+                                        <p:strVal val="visible"/>
+                                      </p:to>
+                                    </p:set>
+                                    <p:animEffect transition="in" filter="barn(outVertical)">
+                                      <p:cBhvr>
+                                        <p:cTn id="7" dur="500"/>
+                                        <p:tgtEl>
+                                          <p:spTgt spid="2"/>
+                                        </p:tgtEl>
+                                      </p:cBhvr>
+                                    </p:animEffect>
+                                  </p:childTnLst>
+                                </p:cTn>
+                              </p:par>
+                            </p:childTnLst>
+                          </p:cTn>
+                        </p:par>
+                      </p:childTnLst>
+                    </p:cTn>
+                  </p:par>
+                  <p:par>
+                    <p:cTn id="8" fill="hold">
+                      <p:stCondLst>
+                        <p:cond delay="indefinite"/>
+                      </p:stCondLst>
+                      <p:childTnLst>
+                        <p:par>
+                          <p:cTn id="9" fill="hold">
+                            <p:stCondLst>
+                              <p:cond delay="0"/>
+                            </p:stCondLst>
+                            <p:childTnLst>
+                              <p:par>
+                                <p:cTn id="10" presetID="22" presetClass="entr" presetSubtype="8" fill="hold" nodeType="clickEffect">
+                                  <p:stCondLst>
+                                    <p:cond delay="0"/>
+                                  </p:stCondLst>
+                                  <p:childTnLst>
+                                    <p:set>
+                                      <p:cBhvr>
+                                        <p:cTn id="11" dur="1" fill="hold">
+                                          <p:stCondLst>
+                                            <p:cond delay="0"/>
+                                          </p:stCondLst>
+                                        </p:cTn>
+                                        <p:tgtEl>
+                                          <p:spTgt spid="3"/>
+                                        </p:tgtEl>
+                                        <p:attrNameLst>
+                                          <p:attrName>style.visibility</p:attrName>
+                                        </p:attrNameLst>
+                                      </p:cBhvr>
+                                      <p:to>
+                                        <p:strVal val="visible"/>
+                                      </p:to>
+                                    </p:set>
+                                    <p:animEffect transition="in" filter="wipe(left)">
+                                      <p:cBhvr>
+                                        <p:cTn id="12" dur="500"/>
+                                        <p:tgtEl>
+                                          <p:spTgt spid="3"/>
+                                        </p:tgtEl>
+                                      </p:cBhvr>
+                                    </p:animEffect>
+                                  </p:childTnLst>
+                                </p:cTn>
+                              </p:par>
+                            </p:childTnLst>
+                          </p:cTn>
+                        </p:par>
+                      </p:childTnLst>
+                    </p:cTn>
+                  </p:par>
+                </p:childTnLst>
+              </p:cTn>
+              <p:prevCondLst>
+                <p:cond evt="onPrev" delay="0">
+                  <p:tgtEl>
+                    <p:sldTgt/>
+                  </p:tgtEl>
+                </p:cond>
+              </p:prevCondLst>
+              <p:nextCondLst>
+                <p:cond evt="onNext" delay="0">
+                  <p:tgtEl>
+                    <p:sldTgt/>
+                  </p:tgtEl>
+                </p:cond>
+              </p:nextCondLst>
+            </p:seq>
+          </p:childTnLst>
+        </p:cTn>
+      </p:par>
+    </p:tnLst>
+    <p:bldLst>
+      <p:bldP spid="2" grpId="0" animBg="1"/>
+    </p:bldLst>
+  </p:timing>
+</p:sld>
+</file>
+
+<file path=ppt/slides/slide6.xml><?xml version="1.0" encoding="utf-8"?>
+<p:sld xmlns:a="http://schemas.openxmlformats.org/drawingml/2006/main" xmlns:r="http://schemas.openxmlformats.org/officeDocument/2006/relationships" xmlns:p="http://schemas.openxmlformats.org/presentationml/2006/main">
+  <p:cSld>
+    <p:spTree>
+      <p:nvGrpSpPr>
+        <p:cNvPr id="1" name=""/>
+        <p:cNvGrpSpPr/>
+        <p:nvPr/>
+      </p:nvGrpSpPr>
+      <p:grpSpPr>
+        <a:xfrm>
+          <a:off x="0" y="0"/>
+          <a:ext cx="0" cy="0"/>
+          <a:chOff x="0" y="0"/>
+          <a:chExt cx="0" cy="0"/>
+        </a:xfrm>
+      </p:grpSpPr>
+      <p:sp>
+        <p:nvSpPr>
+          <p:cNvPr id="2" name="矩形 1">
+            <a:extLst>
+              <a:ext uri="{FF2B5EF4-FFF2-40B4-BE49-F238E27FC236}">
+                <a16:creationId xmlns:a16="http://schemas.microsoft.com/office/drawing/2014/main" xmlns="" id="{6130B33B-FCB5-4AFA-8175-BA08126D80E1}"/>
+              </a:ext>
+            </a:extLst>
+          </p:cNvPr>
+          <p:cNvSpPr/>
+          <p:nvPr/>
+        </p:nvSpPr>
+        <p:spPr>
+          <a:xfrm>
+            <a:off x="5029196" y="265030"/>
+            <a:ext cx="2133600" cy="228600"/>
+          </a:xfrm>
+          <a:prstGeom prst="rect">
+            <a:avLst/>
+          </a:prstGeom>
+          <a:solidFill>
+            <a:schemeClr val="tx1">
+              <a:lumMod val="75000"/>
+              <a:lumOff val="25000"/>
+            </a:schemeClr>
+          </a:solidFill>
+          <a:ln>
+            <a:noFill/>
+          </a:ln>
+        </p:spPr>
+        <p:style>
+          <a:lnRef idx="2">
+            <a:schemeClr val="accent1">
+              <a:shade val="50000"/>
+            </a:schemeClr>
+          </a:lnRef>
+          <a:fillRef idx="1">
+            <a:schemeClr val="accent1"/>
+          </a:fillRef>
+          <a:effectRef idx="0">
+            <a:schemeClr val="accent1"/>
+          </a:effectRef>
+          <a:fontRef idx="minor">
+            <a:schemeClr val="lt1"/>
+          </a:fontRef>
+        </p:style>
+        <p:txBody>
+          <a:bodyPr rtlCol="0" anchor="ctr"/>
+          <a:lstStyle/>
+          <a:p>
+            <a:pPr algn="ctr"/>
+            <a:endParaRPr lang="zh-CN" altLang="en-US">
+              <a:cs typeface="+mn-ea"/>
+              <a:sym typeface="+mn-lt"/>
+            </a:endParaRPr>
+          </a:p>
+        </p:txBody>
+      </p:sp>
+      <p:grpSp>
+        <p:nvGrpSpPr>
+          <p:cNvPr id="3" name="组合 2">
+            <a:extLst>
+              <a:ext uri="{FF2B5EF4-FFF2-40B4-BE49-F238E27FC236}">
+                <a16:creationId xmlns:a16="http://schemas.microsoft.com/office/drawing/2014/main" xmlns="" id="{CF3B8F59-C87E-48F7-911B-3FCC3B1922F9}"/>
+              </a:ext>
+            </a:extLst>
+          </p:cNvPr>
+          <p:cNvGrpSpPr/>
+          <p:nvPr/>
+        </p:nvGrpSpPr>
+        <p:grpSpPr>
+          <a:xfrm>
+            <a:off x="3174997" y="559000"/>
+            <a:ext cx="6028824" cy="976561"/>
+            <a:chOff x="736600" y="1991896"/>
+            <a:chExt cx="3628206" cy="1083521"/>
+          </a:xfrm>
+        </p:grpSpPr>
+        <p:sp>
+          <p:nvSpPr>
+            <p:cNvPr id="4" name="文本框 3">
+              <a:extLst>
+                <a:ext uri="{FF2B5EF4-FFF2-40B4-BE49-F238E27FC236}">
+                  <a16:creationId xmlns:a16="http://schemas.microsoft.com/office/drawing/2014/main" xmlns="" id="{F069F7C5-7C6B-4416-BA43-7E9FF2B95F70}"/>
+                </a:ext>
+              </a:extLst>
+            </p:cNvPr>
+            <p:cNvSpPr txBox="1"/>
+            <p:nvPr/>
+          </p:nvSpPr>
+          <p:spPr>
+            <a:xfrm>
+              <a:off x="736600" y="1991896"/>
+              <a:ext cx="3628206" cy="785419"/>
+            </a:xfrm>
+            <a:prstGeom prst="rect">
+              <a:avLst/>
+            </a:prstGeom>
+            <a:noFill/>
+          </p:spPr>
+          <p:txBody>
+            <a:bodyPr wrap="square" rtlCol="0">
+              <a:spAutoFit/>
+            </a:bodyPr>
+            <a:lstStyle/>
+            <a:p>
+              <a:pPr algn="ctr"/>
+              <a:r>
+                <a:rPr lang="zh-TW" altLang="en-US" sz="4000" dirty="0" smtClean="0">
+                  <a:cs typeface="+mn-ea"/>
+                  <a:sym typeface="+mn-lt"/>
+                </a:rPr>
+                <a:t>結構材料會員</a:t>
+              </a:r>
+              <a:r>
+                <a:rPr lang="zh-TW" altLang="en-US" sz="4000" dirty="0">
+                  <a:cs typeface="+mn-ea"/>
+                  <a:sym typeface="+mn-lt"/>
+                </a:rPr>
+                <a:t>功能</a:t>
+              </a:r>
+              <a:endParaRPr lang="zh-CN" altLang="en-US" sz="4000" dirty="0">
+                <a:cs typeface="+mn-ea"/>
+                <a:sym typeface="+mn-lt"/>
+              </a:endParaRPr>
+            </a:p>
+          </p:txBody>
+        </p:sp>
+        <p:sp>
+          <p:nvSpPr>
+            <p:cNvPr id="5" name="文本框 4">
+              <a:extLst>
+                <a:ext uri="{FF2B5EF4-FFF2-40B4-BE49-F238E27FC236}">
+                  <a16:creationId xmlns:a16="http://schemas.microsoft.com/office/drawing/2014/main" xmlns="" id="{E7404F6D-3A40-4203-8F0A-6169C74FB4CA}"/>
+                </a:ext>
+              </a:extLst>
+            </p:cNvPr>
+            <p:cNvSpPr txBox="1"/>
+            <p:nvPr/>
+          </p:nvSpPr>
+          <p:spPr>
+            <a:xfrm>
+              <a:off x="793749" y="2699782"/>
+              <a:ext cx="3458623" cy="375635"/>
+            </a:xfrm>
+            <a:prstGeom prst="rect">
+              <a:avLst/>
+            </a:prstGeom>
+            <a:noFill/>
+          </p:spPr>
+          <p:txBody>
+            <a:bodyPr wrap="square">
+              <a:spAutoFit/>
+            </a:bodyPr>
+            <a:lstStyle/>
+            <a:p>
+              <a:pPr algn="ctr"/>
+              <a:r>
+                <a:rPr lang="en-US" altLang="zh-TW" sz="1600" dirty="0">
+                  <a:cs typeface="+mn-ea"/>
+                  <a:sym typeface="+mn-lt"/>
+                </a:rPr>
+                <a:t>Project </a:t>
+              </a:r>
+              <a:r>
+                <a:rPr lang="en-US" altLang="zh-TW" sz="1600" dirty="0" smtClean="0">
+                  <a:cs typeface="+mn-ea"/>
+                  <a:sym typeface="+mn-lt"/>
+                </a:rPr>
+                <a:t>planning</a:t>
+              </a:r>
+              <a:endParaRPr lang="zh-CN" altLang="en-US" sz="1600" dirty="0">
+                <a:cs typeface="+mn-ea"/>
+                <a:sym typeface="+mn-lt"/>
+              </a:endParaRPr>
+            </a:p>
+          </p:txBody>
+        </p:sp>
+      </p:grpSp>
+      <p:pic>
+        <p:nvPicPr>
+          <p:cNvPr id="3074" name="Picture 2"/>
+          <p:cNvPicPr>
+            <a:picLocks noChangeAspect="1" noChangeArrowheads="1"/>
+          </p:cNvPicPr>
+          <p:nvPr/>
+        </p:nvPicPr>
+        <p:blipFill>
+          <a:blip r:embed="rId2">
+            <a:extLst>
+              <a:ext uri="{28A0092B-C50C-407E-A947-70E740481C1C}">
+                <a14:useLocalDpi xmlns:a14="http://schemas.microsoft.com/office/drawing/2010/main" val="0"/>
+              </a:ext>
+            </a:extLst>
+          </a:blip>
+          <a:srcRect/>
+          <a:stretch>
+            <a:fillRect/>
+          </a:stretch>
+        </p:blipFill>
+        <p:spPr bwMode="auto">
+          <a:xfrm>
+            <a:off x="1316963" y="1508474"/>
+            <a:ext cx="9744892" cy="5273408"/>
+          </a:xfrm>
+          <a:prstGeom prst="rect">
+            <a:avLst/>
+          </a:prstGeom>
+          <a:noFill/>
+          <a:ln>
+            <a:noFill/>
+          </a:ln>
+          <a:extLst>
+            <a:ext uri="{909E8E84-426E-40DD-AFC4-6F175D3DCCD1}">
+              <a14:hiddenFill xmlns:a14="http://schemas.microsoft.com/office/drawing/2010/main">
+                <a:solidFill>
+                  <a:schemeClr val="accent1"/>
+                </a:solidFill>
+              </a14:hiddenFill>
+            </a:ext>
+            <a:ext uri="{91240B29-F687-4F45-9708-019B960494DF}">
+              <a14:hiddenLine xmlns:a14="http://schemas.microsoft.com/office/drawing/2010/main" w="9525">
+                <a:solidFill>
+                  <a:schemeClr val="tx1"/>
+                </a:solidFill>
+                <a:miter lim="800000"/>
+                <a:headEnd/>
+                <a:tailEnd/>
+              </a14:hiddenLine>
+            </a:ext>
+          </a:extLst>
+        </p:spPr>
+      </p:pic>
+      <p:sp>
+        <p:nvSpPr>
+          <p:cNvPr id="6" name="向右箭號 5"/>
+          <p:cNvSpPr/>
+          <p:nvPr/>
+        </p:nvSpPr>
+        <p:spPr>
+          <a:xfrm rot="15382366">
+            <a:off x="7742489" y="2829798"/>
+            <a:ext cx="658026" cy="504202"/>
+          </a:xfrm>
+          <a:prstGeom prst="rightArrow">
+            <a:avLst/>
+          </a:prstGeom>
+        </p:spPr>
+        <p:style>
+          <a:lnRef idx="2">
+            <a:schemeClr val="accent1">
+              <a:shade val="50000"/>
+            </a:schemeClr>
+          </a:lnRef>
+          <a:fillRef idx="1">
+            <a:schemeClr val="accent1"/>
+          </a:fillRef>
+          <a:effectRef idx="0">
+            <a:schemeClr val="accent1"/>
+          </a:effectRef>
+          <a:fontRef idx="minor">
+            <a:schemeClr val="lt1"/>
+          </a:fontRef>
+        </p:style>
+        <p:txBody>
+          <a:bodyPr rtlCol="0" anchor="ctr"/>
+          <a:lstStyle/>
+          <a:p>
+            <a:pPr algn="ctr"/>
+            <a:endParaRPr lang="zh-TW" altLang="en-US"/>
+          </a:p>
+        </p:txBody>
+      </p:sp>
+      <p:sp>
+        <p:nvSpPr>
+          <p:cNvPr id="7" name="矩形 6"/>
+          <p:cNvSpPr/>
+          <p:nvPr/>
+        </p:nvSpPr>
+        <p:spPr>
+          <a:xfrm>
+            <a:off x="7748981" y="3606325"/>
+            <a:ext cx="3104178" cy="794759"/>
+          </a:xfrm>
+          <a:prstGeom prst="rect">
+            <a:avLst/>
+          </a:prstGeom>
+        </p:spPr>
+        <p:style>
+          <a:lnRef idx="2">
+            <a:schemeClr val="accent1">
+              <a:shade val="50000"/>
+            </a:schemeClr>
+          </a:lnRef>
+          <a:fillRef idx="1">
+            <a:schemeClr val="accent1"/>
+          </a:fillRef>
+          <a:effectRef idx="0">
+            <a:schemeClr val="accent1"/>
+          </a:effectRef>
+          <a:fontRef idx="minor">
+            <a:schemeClr val="lt1"/>
+          </a:fontRef>
+        </p:style>
+        <p:txBody>
+          <a:bodyPr rtlCol="0" anchor="ctr"/>
+          <a:lstStyle/>
+          <a:p>
+            <a:pPr algn="ctr"/>
+            <a:endParaRPr lang="zh-TW" altLang="en-US"/>
+          </a:p>
+        </p:txBody>
+      </p:sp>
+      <p:sp>
+        <p:nvSpPr>
+          <p:cNvPr id="12" name="文字方塊 11"/>
+          <p:cNvSpPr txBox="1"/>
+          <p:nvPr/>
+        </p:nvSpPr>
+        <p:spPr>
+          <a:xfrm>
+            <a:off x="7836493" y="3691783"/>
+            <a:ext cx="2931208" cy="646331"/>
+          </a:xfrm>
+          <a:prstGeom prst="rect">
+            <a:avLst/>
+          </a:prstGeom>
+          <a:noFill/>
+        </p:spPr>
+        <p:txBody>
+          <a:bodyPr wrap="square" rtlCol="0">
+            <a:spAutoFit/>
+          </a:bodyPr>
+          <a:lstStyle/>
+          <a:p>
+            <a:r>
+              <a:rPr lang="zh-TW" altLang="en-US" dirty="0" smtClean="0"/>
+              <a:t>四筆</a:t>
+            </a:r>
+            <a:r>
+              <a:rPr lang="en-US" altLang="zh-TW" dirty="0" smtClean="0"/>
+              <a:t>bobo(uid:5)</a:t>
+            </a:r>
+            <a:r>
+              <a:rPr lang="zh-TW" altLang="en-US" dirty="0" smtClean="0"/>
+              <a:t>的資料</a:t>
+            </a:r>
+            <a:r>
+              <a:rPr lang="en-US" altLang="zh-TW" dirty="0" smtClean="0"/>
+              <a:t/>
+            </a:r>
+            <a:br>
+              <a:rPr lang="en-US" altLang="zh-TW" dirty="0" smtClean="0"/>
+            </a:br>
+            <a:r>
+              <a:rPr lang="zh-TW" altLang="en-US" dirty="0" smtClean="0"/>
+              <a:t>補光控制兩筆</a:t>
+            </a:r>
+            <a:endParaRPr lang="zh-TW" altLang="en-US" dirty="0"/>
+          </a:p>
+        </p:txBody>
+      </p:sp>
+    </p:spTree>
+    <p:extLst>
+      <p:ext uri="{BB962C8B-B14F-4D97-AF65-F5344CB8AC3E}">
+        <p14:creationId xmlns:p14="http://schemas.microsoft.com/office/powerpoint/2010/main" val="1674256969"/>
+      </p:ext>
+    </p:extLst>
+  </p:cSld>
+  <p:clrMapOvr>
+    <a:masterClrMapping/>
+  </p:clrMapOvr>
+  <mc:AlternateContent xmlns:mc="http://schemas.openxmlformats.org/markup-compatibility/2006" xmlns:p14="http://schemas.microsoft.com/office/powerpoint/2010/main">
+    <mc:Choice Requires="p14">
+      <p:transition spd="slow" p14:dur="1500">
+        <p:random/>
+      </p:transition>
+    </mc:Choice>
+    <mc:Fallback xmlns="">
+      <p:transition spd="slow">
+        <p:random/>
+      </p:transition>
+    </mc:Fallback>
+  </mc:AlternateContent>
+  <p:timing>
+    <p:tnLst>
+      <p:par>
+        <p:cTn id="1" dur="indefinite" restart="never" nodeType="tmRoot">
+          <p:childTnLst>
+            <p:seq concurrent="1" nextAc="seek">
+              <p:cTn id="2" dur="indefinite" nodeType="mainSeq">
+                <p:childTnLst>
+                  <p:par>
+                    <p:cTn id="3" fill="hold">
+                      <p:stCondLst>
+                        <p:cond delay="indefinite"/>
+                      </p:stCondLst>
+                      <p:childTnLst>
+                        <p:par>
+                          <p:cTn id="4" fill="hold">
+                            <p:stCondLst>
+                              <p:cond delay="0"/>
+                            </p:stCondLst>
+                            <p:childTnLst>
+                              <p:par>
+                                <p:cTn id="5" presetID="16" presetClass="entr" presetSubtype="37" fill="hold" grpId="0" nodeType="clickEffect">
+                                  <p:stCondLst>
+                                    <p:cond delay="0"/>
+                                  </p:stCondLst>
+                                  <p:childTnLst>
+                                    <p:set>
+                                      <p:cBhvr>
+                                        <p:cTn id="6" dur="1" fill="hold">
+                                          <p:stCondLst>
+                                            <p:cond delay="0"/>
+                                          </p:stCondLst>
+                                        </p:cTn>
+                                        <p:tgtEl>
+                                          <p:spTgt spid="2"/>
+                                        </p:tgtEl>
+                                        <p:attrNameLst>
+                                          <p:attrName>style.visibility</p:attrName>
+                                        </p:attrNameLst>
+                                      </p:cBhvr>
+                                      <p:to>
+                                        <p:strVal val="visible"/>
+                                      </p:to>
+                                    </p:set>
+                                    <p:animEffect transition="in" filter="barn(outVertical)">
+                                      <p:cBhvr>
+                                        <p:cTn id="7" dur="500"/>
+                                        <p:tgtEl>
+                                          <p:spTgt spid="2"/>
+                                        </p:tgtEl>
+                                      </p:cBhvr>
+                                    </p:animEffect>
+                                  </p:childTnLst>
+                                </p:cTn>
+                              </p:par>
+                            </p:childTnLst>
+                          </p:cTn>
+                        </p:par>
+                      </p:childTnLst>
+                    </p:cTn>
+                  </p:par>
+                  <p:par>
+                    <p:cTn id="8" fill="hold">
+                      <p:stCondLst>
+                        <p:cond delay="indefinite"/>
+                      </p:stCondLst>
+                      <p:childTnLst>
+                        <p:par>
+                          <p:cTn id="9" fill="hold">
+                            <p:stCondLst>
+                              <p:cond delay="0"/>
+                            </p:stCondLst>
+                            <p:childTnLst>
+                              <p:par>
+                                <p:cTn id="10" presetID="22" presetClass="entr" presetSubtype="8" fill="hold" nodeType="clickEffect">
+                                  <p:stCondLst>
+                                    <p:cond delay="0"/>
+                                  </p:stCondLst>
+                                  <p:childTnLst>
+                                    <p:set>
+                                      <p:cBhvr>
+                                        <p:cTn id="11" dur="1" fill="hold">
+                                          <p:stCondLst>
+                                            <p:cond delay="0"/>
+                                          </p:stCondLst>
+                                        </p:cTn>
+                                        <p:tgtEl>
+                                          <p:spTgt spid="3"/>
+                                        </p:tgtEl>
+                                        <p:attrNameLst>
+                                          <p:attrName>style.visibility</p:attrName>
+                                        </p:attrNameLst>
+                                      </p:cBhvr>
+                                      <p:to>
+                                        <p:strVal val="visible"/>
+                                      </p:to>
+                                    </p:set>
+                                    <p:animEffect transition="in" filter="wipe(left)">
+                                      <p:cBhvr>
+                                        <p:cTn id="12" dur="500"/>
+                                        <p:tgtEl>
+                                          <p:spTgt spid="3"/>
+                                        </p:tgtEl>
+                                      </p:cBhvr>
+                                    </p:animEffect>
+                                  </p:childTnLst>
+                                </p:cTn>
+                              </p:par>
+                            </p:childTnLst>
+                          </p:cTn>
+                        </p:par>
+                      </p:childTnLst>
+                    </p:cTn>
+                  </p:par>
+                </p:childTnLst>
+              </p:cTn>
+              <p:prevCondLst>
+                <p:cond evt="onPrev" delay="0">
+                  <p:tgtEl>
+                    <p:sldTgt/>
+                  </p:tgtEl>
+                </p:cond>
+              </p:prevCondLst>
+              <p:nextCondLst>
+                <p:cond evt="onNext" delay="0">
+                  <p:tgtEl>
+                    <p:sldTgt/>
+                  </p:tgtEl>
+                </p:cond>
+              </p:nextCondLst>
+            </p:seq>
+          </p:childTnLst>
+        </p:cTn>
+      </p:par>
+    </p:tnLst>
+    <p:bldLst>
+      <p:bldP spid="2" grpId="0" animBg="1"/>
+    </p:bldLst>
+  </p:timing>
+</p:sld>
+</file>
+
+<file path=ppt/slides/slide7.xml><?xml version="1.0" encoding="utf-8"?>
+<p:sld xmlns:a="http://schemas.openxmlformats.org/drawingml/2006/main" xmlns:r="http://schemas.openxmlformats.org/officeDocument/2006/relationships" xmlns:p="http://schemas.openxmlformats.org/presentationml/2006/main">
+  <p:cSld>
+    <p:spTree>
+      <p:nvGrpSpPr>
+        <p:cNvPr id="1" name=""/>
+        <p:cNvGrpSpPr/>
+        <p:nvPr/>
+      </p:nvGrpSpPr>
+      <p:grpSpPr>
+        <a:xfrm>
+          <a:off x="0" y="0"/>
+          <a:ext cx="0" cy="0"/>
+          <a:chOff x="0" y="0"/>
+          <a:chExt cx="0" cy="0"/>
+        </a:xfrm>
+      </p:grpSpPr>
+      <p:sp>
+        <p:nvSpPr>
+          <p:cNvPr id="2" name="矩形 1">
+            <a:extLst>
+              <a:ext uri="{FF2B5EF4-FFF2-40B4-BE49-F238E27FC236}">
+                <a16:creationId xmlns:a16="http://schemas.microsoft.com/office/drawing/2014/main" xmlns="" id="{6130B33B-FCB5-4AFA-8175-BA08126D80E1}"/>
+              </a:ext>
+            </a:extLst>
+          </p:cNvPr>
+          <p:cNvSpPr/>
+          <p:nvPr/>
+        </p:nvSpPr>
+        <p:spPr>
+          <a:xfrm>
+            <a:off x="5029196" y="265030"/>
+            <a:ext cx="2133600" cy="228600"/>
+          </a:xfrm>
+          <a:prstGeom prst="rect">
+            <a:avLst/>
+          </a:prstGeom>
+          <a:solidFill>
+            <a:schemeClr val="tx1">
+              <a:lumMod val="75000"/>
+              <a:lumOff val="25000"/>
+            </a:schemeClr>
+          </a:solidFill>
+          <a:ln>
+            <a:noFill/>
+          </a:ln>
+        </p:spPr>
+        <p:style>
+          <a:lnRef idx="2">
+            <a:schemeClr val="accent1">
+              <a:shade val="50000"/>
+            </a:schemeClr>
+          </a:lnRef>
+          <a:fillRef idx="1">
+            <a:schemeClr val="accent1"/>
+          </a:fillRef>
+          <a:effectRef idx="0">
+            <a:schemeClr val="accent1"/>
+          </a:effectRef>
+          <a:fontRef idx="minor">
+            <a:schemeClr val="lt1"/>
+          </a:fontRef>
+        </p:style>
+        <p:txBody>
+          <a:bodyPr rtlCol="0" anchor="ctr"/>
+          <a:lstStyle/>
+          <a:p>
+            <a:pPr algn="ctr"/>
+            <a:endParaRPr lang="zh-CN" altLang="en-US">
+              <a:cs typeface="+mn-ea"/>
+              <a:sym typeface="+mn-lt"/>
+            </a:endParaRPr>
+          </a:p>
+        </p:txBody>
+      </p:sp>
+      <p:grpSp>
+        <p:nvGrpSpPr>
+          <p:cNvPr id="3" name="组合 2">
+            <a:extLst>
+              <a:ext uri="{FF2B5EF4-FFF2-40B4-BE49-F238E27FC236}">
+                <a16:creationId xmlns:a16="http://schemas.microsoft.com/office/drawing/2014/main" xmlns="" id="{CF3B8F59-C87E-48F7-911B-3FCC3B1922F9}"/>
+              </a:ext>
+            </a:extLst>
+          </p:cNvPr>
+          <p:cNvGrpSpPr/>
+          <p:nvPr/>
+        </p:nvGrpSpPr>
+        <p:grpSpPr>
+          <a:xfrm>
+            <a:off x="3174997" y="559000"/>
+            <a:ext cx="6028824" cy="976561"/>
+            <a:chOff x="736600" y="1991896"/>
+            <a:chExt cx="3628206" cy="1083521"/>
+          </a:xfrm>
+        </p:grpSpPr>
+        <p:sp>
+          <p:nvSpPr>
+            <p:cNvPr id="4" name="文本框 3">
+              <a:extLst>
+                <a:ext uri="{FF2B5EF4-FFF2-40B4-BE49-F238E27FC236}">
+                  <a16:creationId xmlns:a16="http://schemas.microsoft.com/office/drawing/2014/main" xmlns="" id="{F069F7C5-7C6B-4416-BA43-7E9FF2B95F70}"/>
+                </a:ext>
+              </a:extLst>
+            </p:cNvPr>
+            <p:cNvSpPr txBox="1"/>
+            <p:nvPr/>
+          </p:nvSpPr>
+          <p:spPr>
+            <a:xfrm>
+              <a:off x="736600" y="1991896"/>
+              <a:ext cx="3628206" cy="785419"/>
+            </a:xfrm>
+            <a:prstGeom prst="rect">
+              <a:avLst/>
+            </a:prstGeom>
+            <a:noFill/>
+          </p:spPr>
+          <p:txBody>
+            <a:bodyPr wrap="square" rtlCol="0">
+              <a:spAutoFit/>
+            </a:bodyPr>
+            <a:lstStyle/>
+            <a:p>
+              <a:pPr algn="ctr"/>
+              <a:r>
+                <a:rPr lang="zh-TW" altLang="en-US" sz="4000" dirty="0" smtClean="0">
+                  <a:cs typeface="+mn-ea"/>
+                  <a:sym typeface="+mn-lt"/>
+                </a:rPr>
+                <a:t>結構材料會員</a:t>
+              </a:r>
+              <a:r>
+                <a:rPr lang="zh-TW" altLang="en-US" sz="4000" dirty="0">
+                  <a:cs typeface="+mn-ea"/>
+                  <a:sym typeface="+mn-lt"/>
+                </a:rPr>
+                <a:t>功能</a:t>
+              </a:r>
+              <a:endParaRPr lang="zh-CN" altLang="en-US" sz="4000" dirty="0">
+                <a:cs typeface="+mn-ea"/>
+                <a:sym typeface="+mn-lt"/>
+              </a:endParaRPr>
+            </a:p>
+          </p:txBody>
+        </p:sp>
+        <p:sp>
+          <p:nvSpPr>
+            <p:cNvPr id="5" name="文本框 4">
+              <a:extLst>
+                <a:ext uri="{FF2B5EF4-FFF2-40B4-BE49-F238E27FC236}">
+                  <a16:creationId xmlns:a16="http://schemas.microsoft.com/office/drawing/2014/main" xmlns="" id="{E7404F6D-3A40-4203-8F0A-6169C74FB4CA}"/>
+                </a:ext>
+              </a:extLst>
+            </p:cNvPr>
+            <p:cNvSpPr txBox="1"/>
+            <p:nvPr/>
+          </p:nvSpPr>
+          <p:spPr>
+            <a:xfrm>
+              <a:off x="793749" y="2699782"/>
+              <a:ext cx="3458623" cy="375635"/>
+            </a:xfrm>
+            <a:prstGeom prst="rect">
+              <a:avLst/>
+            </a:prstGeom>
+            <a:noFill/>
+          </p:spPr>
+          <p:txBody>
+            <a:bodyPr wrap="square">
+              <a:spAutoFit/>
+            </a:bodyPr>
+            <a:lstStyle/>
+            <a:p>
+              <a:pPr algn="ctr"/>
+              <a:r>
+                <a:rPr lang="en-US" altLang="zh-TW" sz="1600" dirty="0">
+                  <a:cs typeface="+mn-ea"/>
+                  <a:sym typeface="+mn-lt"/>
+                </a:rPr>
+                <a:t>Project </a:t>
+              </a:r>
+              <a:r>
+                <a:rPr lang="en-US" altLang="zh-TW" sz="1600" dirty="0" smtClean="0">
+                  <a:cs typeface="+mn-ea"/>
+                  <a:sym typeface="+mn-lt"/>
+                </a:rPr>
+                <a:t>planning</a:t>
+              </a:r>
+              <a:endParaRPr lang="zh-CN" altLang="en-US" sz="1600" dirty="0">
+                <a:cs typeface="+mn-ea"/>
+                <a:sym typeface="+mn-lt"/>
+              </a:endParaRPr>
+            </a:p>
+          </p:txBody>
+        </p:sp>
+      </p:grpSp>
+      <p:pic>
+        <p:nvPicPr>
+          <p:cNvPr id="4098" name="Picture 2"/>
+          <p:cNvPicPr>
+            <a:picLocks noChangeAspect="1" noChangeArrowheads="1"/>
+          </p:cNvPicPr>
+          <p:nvPr/>
+        </p:nvPicPr>
+        <p:blipFill>
+          <a:blip r:embed="rId2">
+            <a:extLst>
+              <a:ext uri="{28A0092B-C50C-407E-A947-70E740481C1C}">
+                <a14:useLocalDpi xmlns:a14="http://schemas.microsoft.com/office/drawing/2010/main" val="0"/>
+              </a:ext>
+            </a:extLst>
+          </a:blip>
+          <a:srcRect/>
+          <a:stretch>
+            <a:fillRect/>
+          </a:stretch>
+        </p:blipFill>
+        <p:spPr bwMode="auto">
+          <a:xfrm>
+            <a:off x="1427067" y="1632248"/>
+            <a:ext cx="9656829" cy="5225752"/>
+          </a:xfrm>
+          <a:prstGeom prst="rect">
+            <a:avLst/>
+          </a:prstGeom>
+          <a:noFill/>
+          <a:ln>
+            <a:noFill/>
+          </a:ln>
+          <a:extLst>
+            <a:ext uri="{909E8E84-426E-40DD-AFC4-6F175D3DCCD1}">
+              <a14:hiddenFill xmlns:a14="http://schemas.microsoft.com/office/drawing/2010/main">
+                <a:solidFill>
+                  <a:schemeClr val="accent1"/>
+                </a:solidFill>
+              </a14:hiddenFill>
+            </a:ext>
+            <a:ext uri="{91240B29-F687-4F45-9708-019B960494DF}">
+              <a14:hiddenLine xmlns:a14="http://schemas.microsoft.com/office/drawing/2010/main" w="9525">
+                <a:solidFill>
+                  <a:schemeClr val="tx1"/>
+                </a:solidFill>
+                <a:miter lim="800000"/>
+                <a:headEnd/>
+                <a:tailEnd/>
+              </a14:hiddenLine>
+            </a:ext>
+          </a:extLst>
+        </p:spPr>
+      </p:pic>
+      <p:sp>
+        <p:nvSpPr>
+          <p:cNvPr id="6" name="向右箭號 5"/>
+          <p:cNvSpPr/>
+          <p:nvPr/>
+        </p:nvSpPr>
+        <p:spPr>
+          <a:xfrm rot="14536551">
+            <a:off x="7776672" y="2854296"/>
+            <a:ext cx="743484" cy="410198"/>
+          </a:xfrm>
+          <a:prstGeom prst="rightArrow">
+            <a:avLst/>
+          </a:prstGeom>
+        </p:spPr>
+        <p:style>
+          <a:lnRef idx="2">
+            <a:schemeClr val="accent1">
+              <a:shade val="50000"/>
+            </a:schemeClr>
+          </a:lnRef>
+          <a:fillRef idx="1">
+            <a:schemeClr val="accent1"/>
+          </a:fillRef>
+          <a:effectRef idx="0">
+            <a:schemeClr val="accent1"/>
+          </a:effectRef>
+          <a:fontRef idx="minor">
+            <a:schemeClr val="lt1"/>
+          </a:fontRef>
+        </p:style>
+        <p:txBody>
+          <a:bodyPr rtlCol="0" anchor="ctr"/>
+          <a:lstStyle/>
+          <a:p>
+            <a:pPr algn="ctr"/>
+            <a:endParaRPr lang="zh-TW" altLang="en-US"/>
+          </a:p>
+        </p:txBody>
+      </p:sp>
+      <p:sp>
+        <p:nvSpPr>
+          <p:cNvPr id="7" name="矩形 6"/>
+          <p:cNvSpPr/>
+          <p:nvPr/>
+        </p:nvSpPr>
+        <p:spPr>
+          <a:xfrm>
+            <a:off x="7708307" y="3802879"/>
+            <a:ext cx="3033757" cy="888762"/>
+          </a:xfrm>
+          <a:prstGeom prst="rect">
+            <a:avLst/>
+          </a:prstGeom>
+        </p:spPr>
+        <p:style>
+          <a:lnRef idx="2">
+            <a:schemeClr val="accent1">
+              <a:shade val="50000"/>
+            </a:schemeClr>
+          </a:lnRef>
+          <a:fillRef idx="1">
+            <a:schemeClr val="accent1"/>
+          </a:fillRef>
+          <a:effectRef idx="0">
+            <a:schemeClr val="accent1"/>
+          </a:effectRef>
+          <a:fontRef idx="minor">
+            <a:schemeClr val="lt1"/>
+          </a:fontRef>
+        </p:style>
+        <p:txBody>
+          <a:bodyPr rtlCol="0" anchor="ctr"/>
+          <a:lstStyle/>
+          <a:p>
+            <a:pPr algn="ctr"/>
+            <a:endParaRPr lang="zh-TW" altLang="en-US"/>
+          </a:p>
+        </p:txBody>
+      </p:sp>
+      <p:sp>
+        <p:nvSpPr>
+          <p:cNvPr id="11" name="文字方塊 10"/>
+          <p:cNvSpPr txBox="1"/>
+          <p:nvPr/>
+        </p:nvSpPr>
+        <p:spPr>
+          <a:xfrm>
+            <a:off x="7793920" y="3922520"/>
+            <a:ext cx="2948144" cy="646331"/>
+          </a:xfrm>
+          <a:prstGeom prst="rect">
+            <a:avLst/>
+          </a:prstGeom>
+          <a:noFill/>
+        </p:spPr>
+        <p:txBody>
+          <a:bodyPr wrap="square" rtlCol="0">
+            <a:spAutoFit/>
+          </a:bodyPr>
+          <a:lstStyle/>
+          <a:p>
+            <a:r>
+              <a:rPr lang="zh-TW" altLang="en-US" dirty="0" smtClean="0"/>
+              <a:t>兩筆</a:t>
+            </a:r>
+            <a:r>
+              <a:rPr lang="en-US" altLang="zh-TW" dirty="0" smtClean="0"/>
+              <a:t>bobo(uid:5)</a:t>
+            </a:r>
+            <a:r>
+              <a:rPr lang="zh-TW" altLang="en-US" dirty="0" smtClean="0"/>
+              <a:t>的資料</a:t>
+            </a:r>
+            <a:endParaRPr lang="en-US" altLang="zh-TW" dirty="0" smtClean="0"/>
+          </a:p>
+          <a:p>
+            <a:r>
+              <a:rPr lang="zh-TW" altLang="en-US" dirty="0"/>
+              <a:t>降溫控制兩筆</a:t>
+            </a:r>
+          </a:p>
+        </p:txBody>
+      </p:sp>
+    </p:spTree>
+    <p:extLst>
+      <p:ext uri="{BB962C8B-B14F-4D97-AF65-F5344CB8AC3E}">
+        <p14:creationId xmlns:p14="http://schemas.microsoft.com/office/powerpoint/2010/main" val="1674256969"/>
+      </p:ext>
+    </p:extLst>
+  </p:cSld>
+  <p:clrMapOvr>
+    <a:masterClrMapping/>
+  </p:clrMapOvr>
+  <mc:AlternateContent xmlns:mc="http://schemas.openxmlformats.org/markup-compatibility/2006" xmlns:p14="http://schemas.microsoft.com/office/powerpoint/2010/main">
+    <mc:Choice Requires="p14">
+      <p:transition spd="slow" p14:dur="1500">
+        <p:random/>
+      </p:transition>
+    </mc:Choice>
+    <mc:Fallback xmlns="">
+      <p:transition spd="slow">
+        <p:random/>
+      </p:transition>
+    </mc:Fallback>
+  </mc:AlternateContent>
+  <p:timing>
+    <p:tnLst>
+      <p:par>
+        <p:cTn id="1" dur="indefinite" restart="never" nodeType="tmRoot">
+          <p:childTnLst>
+            <p:seq concurrent="1" nextAc="seek">
+              <p:cTn id="2" dur="indefinite" nodeType="mainSeq">
+                <p:childTnLst>
+                  <p:par>
+                    <p:cTn id="3" fill="hold">
+                      <p:stCondLst>
+                        <p:cond delay="indefinite"/>
+                      </p:stCondLst>
+                      <p:childTnLst>
+                        <p:par>
+                          <p:cTn id="4" fill="hold">
+                            <p:stCondLst>
+                              <p:cond delay="0"/>
+                            </p:stCondLst>
+                            <p:childTnLst>
+                              <p:par>
+                                <p:cTn id="5" presetID="16" presetClass="entr" presetSubtype="37" fill="hold" grpId="0" nodeType="clickEffect">
+                                  <p:stCondLst>
+                                    <p:cond delay="0"/>
+                                  </p:stCondLst>
+                                  <p:childTnLst>
+                                    <p:set>
+                                      <p:cBhvr>
+                                        <p:cTn id="6" dur="1" fill="hold">
+                                          <p:stCondLst>
+                                            <p:cond delay="0"/>
+                                          </p:stCondLst>
+                                        </p:cTn>
+                                        <p:tgtEl>
+                                          <p:spTgt spid="2"/>
+                                        </p:tgtEl>
+                                        <p:attrNameLst>
+                                          <p:attrName>style.visibility</p:attrName>
+                                        </p:attrNameLst>
+                                      </p:cBhvr>
+                                      <p:to>
+                                        <p:strVal val="visible"/>
+                                      </p:to>
+                                    </p:set>
+                                    <p:animEffect transition="in" filter="barn(outVertical)">
+                                      <p:cBhvr>
+                                        <p:cTn id="7" dur="500"/>
+                                        <p:tgtEl>
+                                          <p:spTgt spid="2"/>
+                                        </p:tgtEl>
+                                      </p:cBhvr>
+                                    </p:animEffect>
+                                  </p:childTnLst>
+                                </p:cTn>
+                              </p:par>
+                            </p:childTnLst>
+                          </p:cTn>
+                        </p:par>
+                      </p:childTnLst>
+                    </p:cTn>
+                  </p:par>
+                  <p:par>
+                    <p:cTn id="8" fill="hold">
+                      <p:stCondLst>
+                        <p:cond delay="indefinite"/>
+                      </p:stCondLst>
+                      <p:childTnLst>
+                        <p:par>
+                          <p:cTn id="9" fill="hold">
+                            <p:stCondLst>
+                              <p:cond delay="0"/>
+                            </p:stCondLst>
+                            <p:childTnLst>
+                              <p:par>
+                                <p:cTn id="10" presetID="22" presetClass="entr" presetSubtype="8" fill="hold" nodeType="clickEffect">
+                                  <p:stCondLst>
+                                    <p:cond delay="0"/>
+                                  </p:stCondLst>
+                                  <p:childTnLst>
+                                    <p:set>
+                                      <p:cBhvr>
+                                        <p:cTn id="11" dur="1" fill="hold">
+                                          <p:stCondLst>
+                                            <p:cond delay="0"/>
+                                          </p:stCondLst>
+                                        </p:cTn>
+                                        <p:tgtEl>
+                                          <p:spTgt spid="3"/>
+                                        </p:tgtEl>
+                                        <p:attrNameLst>
+                                          <p:attrName>style.visibility</p:attrName>
+                                        </p:attrNameLst>
+                                      </p:cBhvr>
+                                      <p:to>
+                                        <p:strVal val="visible"/>
+                                      </p:to>
+                                    </p:set>
+                                    <p:animEffect transition="in" filter="wipe(left)">
+                                      <p:cBhvr>
+                                        <p:cTn id="12" dur="500"/>
+                                        <p:tgtEl>
+                                          <p:spTgt spid="3"/>
+                                        </p:tgtEl>
+                                      </p:cBhvr>
+                                    </p:animEffect>
+                                  </p:childTnLst>
+                                </p:cTn>
+                              </p:par>
+                            </p:childTnLst>
+                          </p:cTn>
+                        </p:par>
+                      </p:childTnLst>
+                    </p:cTn>
+                  </p:par>
+                </p:childTnLst>
+              </p:cTn>
+              <p:prevCondLst>
+                <p:cond evt="onPrev" delay="0">
+                  <p:tgtEl>
+                    <p:sldTgt/>
+                  </p:tgtEl>
+                </p:cond>
+              </p:prevCondLst>
+              <p:nextCondLst>
+                <p:cond evt="onNext" delay="0">
+                  <p:tgtEl>
+                    <p:sldTgt/>
+                  </p:tgtEl>
+                </p:cond>
+              </p:nextCondLst>
+            </p:seq>
+          </p:childTnLst>
+        </p:cTn>
+      </p:par>
+    </p:tnLst>
+    <p:bldLst>
+      <p:bldP spid="2" grpId="0" animBg="1"/>
+    </p:bldLst>
+  </p:timing>
+</p:sld>
+</file>
+
+<file path=ppt/slides/slide8.xml><?xml version="1.0" encoding="utf-8"?>
+<p:sld xmlns:a="http://schemas.openxmlformats.org/drawingml/2006/main" xmlns:r="http://schemas.openxmlformats.org/officeDocument/2006/relationships" xmlns:p="http://schemas.openxmlformats.org/presentationml/2006/main">
+  <p:cSld>
+    <p:spTree>
+      <p:nvGrpSpPr>
+        <p:cNvPr id="1" name=""/>
+        <p:cNvGrpSpPr/>
+        <p:nvPr/>
+      </p:nvGrpSpPr>
+      <p:grpSpPr>
+        <a:xfrm>
+          <a:off x="0" y="0"/>
+          <a:ext cx="0" cy="0"/>
+          <a:chOff x="0" y="0"/>
+          <a:chExt cx="0" cy="0"/>
+        </a:xfrm>
+      </p:grpSpPr>
+      <p:sp>
+        <p:nvSpPr>
+          <p:cNvPr id="2" name="矩形 1">
+            <a:extLst>
+              <a:ext uri="{FF2B5EF4-FFF2-40B4-BE49-F238E27FC236}">
+                <a16:creationId xmlns:a16="http://schemas.microsoft.com/office/drawing/2014/main" xmlns="" id="{6130B33B-FCB5-4AFA-8175-BA08126D80E1}"/>
+              </a:ext>
+            </a:extLst>
+          </p:cNvPr>
+          <p:cNvSpPr/>
+          <p:nvPr/>
+        </p:nvSpPr>
+        <p:spPr>
+          <a:xfrm>
+            <a:off x="5029196" y="265030"/>
+            <a:ext cx="2133600" cy="228600"/>
+          </a:xfrm>
+          <a:prstGeom prst="rect">
+            <a:avLst/>
+          </a:prstGeom>
+          <a:solidFill>
+            <a:schemeClr val="tx1">
+              <a:lumMod val="75000"/>
+              <a:lumOff val="25000"/>
+            </a:schemeClr>
+          </a:solidFill>
+          <a:ln>
+            <a:noFill/>
+          </a:ln>
+        </p:spPr>
+        <p:style>
+          <a:lnRef idx="2">
+            <a:schemeClr val="accent1">
+              <a:shade val="50000"/>
+            </a:schemeClr>
+          </a:lnRef>
+          <a:fillRef idx="1">
+            <a:schemeClr val="accent1"/>
+          </a:fillRef>
+          <a:effectRef idx="0">
+            <a:schemeClr val="accent1"/>
+          </a:effectRef>
+          <a:fontRef idx="minor">
+            <a:schemeClr val="lt1"/>
+          </a:fontRef>
+        </p:style>
+        <p:txBody>
+          <a:bodyPr rtlCol="0" anchor="ctr"/>
+          <a:lstStyle/>
+          <a:p>
+            <a:pPr algn="ctr"/>
+            <a:endParaRPr lang="zh-CN" altLang="en-US">
+              <a:cs typeface="+mn-ea"/>
+              <a:sym typeface="+mn-lt"/>
+            </a:endParaRPr>
+          </a:p>
+        </p:txBody>
+      </p:sp>
+      <p:grpSp>
+        <p:nvGrpSpPr>
+          <p:cNvPr id="3" name="组合 2">
+            <a:extLst>
+              <a:ext uri="{FF2B5EF4-FFF2-40B4-BE49-F238E27FC236}">
+                <a16:creationId xmlns:a16="http://schemas.microsoft.com/office/drawing/2014/main" xmlns="" id="{CF3B8F59-C87E-48F7-911B-3FCC3B1922F9}"/>
+              </a:ext>
+            </a:extLst>
+          </p:cNvPr>
+          <p:cNvGrpSpPr/>
+          <p:nvPr/>
+        </p:nvGrpSpPr>
+        <p:grpSpPr>
+          <a:xfrm>
+            <a:off x="3174997" y="559000"/>
             <a:ext cx="5841999" cy="976561"/>
             <a:chOff x="736600" y="1991896"/>
             <a:chExt cx="3515773" cy="1083521"/>
@@ -6763,6 +8946,60 @@
           </p:txBody>
         </p:sp>
       </p:grpSp>
+      <p:sp>
+        <p:nvSpPr>
+          <p:cNvPr id="6" name="文字方塊 5"/>
+          <p:cNvSpPr txBox="1"/>
+          <p:nvPr/>
+        </p:nvSpPr>
+        <p:spPr>
+          <a:xfrm>
+            <a:off x="3752787" y="2630145"/>
+            <a:ext cx="5264209" cy="1200329"/>
+          </a:xfrm>
+          <a:prstGeom prst="rect">
+            <a:avLst/>
+          </a:prstGeom>
+          <a:noFill/>
+        </p:spPr>
+        <p:txBody>
+          <a:bodyPr wrap="square" rtlCol="0">
+            <a:spAutoFit/>
+          </a:bodyPr>
+          <a:lstStyle/>
+          <a:p>
+            <a:pPr marL="285750" indent="-285750">
+              <a:buFont typeface="Wingdings" panose="05000000000000000000" pitchFamily="2" charset="2"/>
+              <a:buChar char="l"/>
+            </a:pPr>
+            <a:r>
+              <a:rPr lang="zh-TW" altLang="en-US" sz="2400" dirty="0" smtClean="0"/>
+              <a:t>檢查今日做的進度是否有</a:t>
+            </a:r>
+            <a:r>
+              <a:rPr lang="en-US" altLang="zh-TW" sz="2400" dirty="0" smtClean="0"/>
+              <a:t>bug</a:t>
+            </a:r>
+          </a:p>
+          <a:p>
+            <a:pPr marL="285750" indent="-285750">
+              <a:buFont typeface="Wingdings" panose="05000000000000000000" pitchFamily="2" charset="2"/>
+              <a:buChar char="l"/>
+            </a:pPr>
+            <a:endParaRPr lang="en-US" altLang="zh-TW" sz="2400" dirty="0"/>
+          </a:p>
+          <a:p>
+            <a:pPr marL="285750" indent="-285750">
+              <a:buFont typeface="Wingdings" panose="05000000000000000000" pitchFamily="2" charset="2"/>
+              <a:buChar char="l"/>
+            </a:pPr>
+            <a:r>
+              <a:rPr lang="zh-TW" altLang="en-US" sz="2400" dirty="0"/>
+              <a:t>結構載重會員功能完成</a:t>
+            </a:r>
+          </a:p>
+        </p:txBody>
+      </p:sp>
     </p:spTree>
     <p:extLst>
       <p:ext uri="{BB962C8B-B14F-4D97-AF65-F5344CB8AC3E}">
@@ -6927,7 +9164,7 @@
 </p:sld>
 </file>
 
-<file path=ppt/slides/slide5.xml><?xml version="1.0" encoding="utf-8"?>
+<file path=ppt/slides/slide9.xml><?xml version="1.0" encoding="utf-8"?>
 <p:sld xmlns:a="http://schemas.openxmlformats.org/drawingml/2006/main" xmlns:r="http://schemas.openxmlformats.org/officeDocument/2006/relationships" xmlns:p="http://schemas.openxmlformats.org/presentationml/2006/main">
   <p:cSld>
     <p:spTree>
